--- a/Mastering Supabase Session2.pptx
+++ b/Mastering Supabase Session2.pptx
@@ -17755,7 +17755,7 @@
             </a:pPr>
             <a:r>
               <a:rPr lang="en-US"/>
-              <a:t> Create your first Supabase project.</a:t>
+              <a:t>Create your first Supabase project.</a:t>
             </a:r>
             <a:endParaRPr lang="en-US"/>
           </a:p>
@@ -19604,7 +19604,7 @@
             </a:pPr>
             <a:r>
               <a:rPr lang="en-US" altLang="en-GB" sz="10000"/>
-              <a:t>See you next sesson</a:t>
+              <a:t>See you next session</a:t>
             </a:r>
             <a:r>
               <a:rPr lang="en-GB" sz="10000"/>

--- a/Mastering Supabase Session2.pptx
+++ b/Mastering Supabase Session2.pptx
@@ -289,12 +289,12 @@
   <p:extLst>
     <p:ext uri="{EFAFB233-063F-42B5-8137-9DF3F51BA10A}">
       <p15:sldGuideLst xmlns:p15="http://schemas.microsoft.com/office/powerpoint/2012/main">
-        <p15:guide id="1" orient="horz" pos="2125" userDrawn="1">
+        <p15:guide id="1" orient="horz" pos="2144" userDrawn="1">
           <p15:clr>
             <a:srgbClr val="A4A3A4"/>
           </p15:clr>
         </p15:guide>
-        <p15:guide id="2" pos="3868" userDrawn="1">
+        <p15:guide id="2" pos="3840" userDrawn="1">
           <p15:clr>
             <a:srgbClr val="A4A3A4"/>
           </p15:clr>
@@ -17336,7 +17336,7 @@
           <a:p>
             <a:pPr lvl="0" algn="ctr"/>
             <a:r>
-              <a:rPr b="1" i="0">
+              <a:rPr b="1">
                 <a:ln w="28575" cap="flat" cmpd="sng">
                   <a:solidFill>
                     <a:schemeClr val="dk1"/>
@@ -17348,11 +17348,12 @@
                 </a:ln>
                 <a:noFill/>
                 <a:latin typeface="Calistoga"/>
+                <a:sym typeface="+mn-ea"/>
               </a:rPr>
               <a:t>0</a:t>
             </a:r>
             <a:r>
-              <a:rPr lang="ar-EG" b="1" i="0">
+              <a:rPr lang="en-US" b="1">
                 <a:ln w="28575" cap="flat" cmpd="sng">
                   <a:solidFill>
                     <a:schemeClr val="dk1"/>
@@ -17364,6 +17365,7 @@
                 </a:ln>
                 <a:noFill/>
                 <a:latin typeface="Calistoga"/>
+                <a:sym typeface="+mn-ea"/>
               </a:rPr>
               <a:t>4</a:t>
             </a:r>
@@ -21087,6 +21089,11 @@
             <a:r>
               <a:t>Step-by-Step Guide to Creating a Supabase Project</a:t>
             </a:r>
+            <a:r>
+              <a:rPr lang="en-US"/>
+              <a:t>.</a:t>
+            </a:r>
+            <a:endParaRPr lang="en-US"/>
           </a:p>
         </p:txBody>
       </p:sp>
@@ -21125,6 +21132,11 @@
             <a:r>
               <a:t>Overview of the Supabase Dashboard</a:t>
             </a:r>
+            <a:r>
+              <a:rPr lang="en-US"/>
+              <a:t>.</a:t>
+            </a:r>
+            <a:endParaRPr lang="en-US"/>
           </a:p>
         </p:txBody>
       </p:sp>
@@ -21397,7 +21409,7 @@
             </a:r>
             <a:r>
               <a:rPr lang="en-US"/>
-              <a:t>, Introduction to Supabase SDK</a:t>
+              <a:t>, Introduction to Supabase SDK.</a:t>
             </a:r>
             <a:endParaRPr lang="en-US"/>
           </a:p>
